--- a/教学课件/4.第四课  方法.pptx
+++ b/教学课件/4.第四课  方法.pptx
@@ -6989,7 +6989,17 @@
             </a:pPr>
             <a:r>
               <a:rPr lang="zh-CN" altLang="en-US"/>
-              <a:t>比较两个值相等，大于，小于的方法，要求输出大小关系</a:t>
+              <a:t>比较两个</a:t>
+            </a:r>
+            <a:r>
+              <a:rPr lang="zh-CN" altLang="en-US">
+                <a:sym typeface="+mn-ea"/>
+              </a:rPr>
+              <a:t>整型值</a:t>
+            </a:r>
+            <a:r>
+              <a:rPr lang="zh-CN" altLang="en-US"/>
+              <a:t>相等，大于，小于的方法，要求输出大小关系</a:t>
             </a:r>
             <a:endParaRPr lang="zh-CN" altLang="en-US"/>
           </a:p>
@@ -7046,11 +7056,7 @@
             </a:pPr>
             <a:r>
               <a:rPr lang="zh-CN" altLang="en-US"/>
-              <a:t>得到一个整形</a:t>
-            </a:r>
-            <a:r>
-              <a:rPr lang="zh-CN" altLang="en-US"/>
-              <a:t>数组中所有元素的平均数的方法</a:t>
+              <a:t>得到一个整型数组中所有元素的平均数的方法</a:t>
             </a:r>
             <a:endParaRPr lang="zh-CN" altLang="en-US"/>
           </a:p>

--- a/教学课件/4.第四课  方法.pptx
+++ b/教学课件/4.第四课  方法.pptx
@@ -6871,17 +6871,33 @@
           <a:p>
             <a:r>
               <a:rPr lang="zh-CN" altLang="en-US"/>
-              <a:t>引用参数不会为形参在栈上分配内存，形参的参数名将作为实参变量的别名，指向相同的内存位置。在方法的执行过程中对形参做的任何改变在方法完成后依然有效。</a:t>
-            </a:r>
-            <a:endParaRPr lang="zh-CN" altLang="en-US"/>
-          </a:p>
-          <a:p>
-            <a:endParaRPr lang="zh-CN" altLang="en-US"/>
-          </a:p>
-          <a:p>
+              <a:t>引用参数不会为形参在栈上分配内存，</a:t>
+            </a:r>
+            <a:r>
+              <a:rPr lang="zh-CN" altLang="en-US" b="1"/>
+              <a:t>形参的参数名将作为实参变量的别名</a:t>
+            </a:r>
             <a:r>
               <a:rPr lang="zh-CN" altLang="en-US"/>
-              <a:t>输出参数的行为与引用参数非常类似，但是必须在声明和调用中都使用 out 修饰符；在方法内部，输出参数在被读取前必须赋值；方法返回前，方法内任何返回路径都必须为所有输出参数进行赋值。</a:t>
+              <a:t>，指向相同的内存位置。在方法的执行过程中对形参做的任何改变在方法完成后依然有效。</a:t>
+            </a:r>
+            <a:endParaRPr lang="zh-CN" altLang="en-US"/>
+          </a:p>
+          <a:p>
+            <a:endParaRPr lang="zh-CN" altLang="en-US"/>
+          </a:p>
+          <a:p>
+            <a:r>
+              <a:rPr lang="zh-CN" altLang="en-US"/>
+              <a:t>输出参数的行为与引用参数非常类似，但是必须在声明和调用中都使用 out 修饰符；在方法内部，输出参数在被读取前</a:t>
+            </a:r>
+            <a:r>
+              <a:rPr lang="zh-CN" altLang="en-US" b="1"/>
+              <a:t>必须赋值</a:t>
+            </a:r>
+            <a:r>
+              <a:rPr lang="zh-CN" altLang="en-US"/>
+              <a:t>；方法返回前，方法内任何返回路径都必须为所有输出参数进行赋值。</a:t>
             </a:r>
             <a:endParaRPr lang="zh-CN" altLang="en-US"/>
           </a:p>
@@ -7953,7 +7969,15 @@
                 <a:ea typeface="宋体" panose="02010600030101010101" pitchFamily="2" charset="-122"/>
                 <a:cs typeface="宋体" panose="02010600030101010101" pitchFamily="2" charset="-122"/>
               </a:rPr>
-              <a:t>如果定义方法时，返回值类型不是</a:t>
+              <a:t>如果定义方法时，返回值类型</a:t>
+            </a:r>
+            <a:r>
+              <a:rPr lang="zh-CN" altLang="en-US" sz="2000" b="1">
+                <a:latin typeface="宋体" panose="02010600030101010101" pitchFamily="2" charset="-122"/>
+                <a:ea typeface="宋体" panose="02010600030101010101" pitchFamily="2" charset="-122"/>
+                <a:cs typeface="宋体" panose="02010600030101010101" pitchFamily="2" charset="-122"/>
+              </a:rPr>
+              <a:t>不是</a:t>
             </a:r>
             <a:r>
               <a:rPr lang="en-US" altLang="zh-CN" sz="2000">

--- a/教学课件/4.第四课  方法.pptx
+++ b/教学课件/4.第四课  方法.pptx
@@ -6969,7 +6969,7 @@
         </p:spPr>
         <p:txBody>
           <a:bodyPr>
-            <a:normAutofit lnSpcReduction="20000"/>
+            <a:normAutofit fontScale="80000"/>
           </a:bodyPr>
           <a:p>
             <a:pPr fontAlgn="auto">
@@ -7073,6 +7073,88 @@
             <a:r>
               <a:rPr lang="zh-CN" altLang="en-US"/>
               <a:t>得到一个整型数组中所有元素的平均数的方法</a:t>
+            </a:r>
+            <a:endParaRPr lang="zh-CN" altLang="en-US"/>
+          </a:p>
+          <a:p>
+            <a:pPr fontAlgn="auto">
+              <a:lnSpc>
+                <a:spcPct val="150000"/>
+              </a:lnSpc>
+              <a:spcBef>
+                <a:spcPts val="0"/>
+              </a:spcBef>
+            </a:pPr>
+            <a:r>
+              <a:rPr lang="zh-CN" altLang="en-US"/>
+              <a:t>把数组非0元素向左靠齐的方法</a:t>
+            </a:r>
+            <a:r>
+              <a:rPr lang="en-US" altLang="zh-CN"/>
+              <a:t>, </a:t>
+            </a:r>
+            <a:r>
+              <a:rPr lang="zh-CN" altLang="en-US"/>
+              <a:t>比如{</a:t>
+            </a:r>
+            <a:r>
+              <a:rPr lang="zh-CN" altLang="en-US">
+                <a:latin typeface="Consolas" panose="020B0609020204030204" charset="0"/>
+                <a:cs typeface="Consolas" panose="020B0609020204030204" charset="0"/>
+              </a:rPr>
+              <a:t>0,2,8,0,4</a:t>
+            </a:r>
+            <a:r>
+              <a:rPr lang="zh-CN" altLang="en-US"/>
+              <a:t>} 靠齐后 {</a:t>
+            </a:r>
+            <a:r>
+              <a:rPr lang="zh-CN" altLang="en-US">
+                <a:latin typeface="Consolas" panose="020B0609020204030204" charset="0"/>
+                <a:cs typeface="Consolas" panose="020B0609020204030204" charset="0"/>
+              </a:rPr>
+              <a:t>2,8,4,0,0</a:t>
+            </a:r>
+            <a:r>
+              <a:rPr lang="zh-CN" altLang="en-US"/>
+              <a:t>} </a:t>
+            </a:r>
+            <a:endParaRPr lang="zh-CN" altLang="en-US"/>
+          </a:p>
+          <a:p>
+            <a:pPr fontAlgn="auto">
+              <a:lnSpc>
+                <a:spcPct val="150000"/>
+              </a:lnSpc>
+              <a:spcBef>
+                <a:spcPts val="0"/>
+              </a:spcBef>
+            </a:pPr>
+            <a:r>
+              <a:rPr lang="zh-CN" altLang="en-US"/>
+              <a:t>替换数组元素的方法, 比如{</a:t>
+            </a:r>
+            <a:r>
+              <a:rPr lang="zh-CN" altLang="en-US">
+                <a:latin typeface="Consolas" panose="020B0609020204030204" charset="0"/>
+                <a:cs typeface="Consolas" panose="020B0609020204030204" charset="0"/>
+              </a:rPr>
+              <a:t>0,2,8,0,4</a:t>
+            </a:r>
+            <a:r>
+              <a:rPr lang="zh-CN" altLang="en-US"/>
+              <a:t>}把0替换成3后变成{</a:t>
+            </a:r>
+            <a:r>
+              <a:rPr lang="zh-CN" altLang="en-US">
+                <a:latin typeface="Consolas" panose="020B0609020204030204" charset="0"/>
+                <a:cs typeface="Consolas" panose="020B0609020204030204" charset="0"/>
+              </a:rPr>
+              <a:t>3,2,8,3,4</a:t>
+            </a:r>
+            <a:r>
+              <a:rPr lang="zh-CN" altLang="en-US"/>
+              <a:t>}</a:t>
             </a:r>
             <a:endParaRPr lang="zh-CN" altLang="en-US"/>
           </a:p>

--- a/教学课件/4.第四课  方法.pptx
+++ b/教学课件/4.第四课  方法.pptx
@@ -7242,7 +7242,7 @@
             </a:pPr>
             <a:r>
               <a:rPr lang="en-US" altLang="zh-CN" dirty="0" smtClean="0"/>
-              <a:t>public :</a:t>
+              <a:t>public  : </a:t>
             </a:r>
             <a:r>
               <a:rPr lang="zh-CN" altLang="en-US" dirty="0"/>
@@ -7256,7 +7256,7 @@
             </a:pPr>
             <a:r>
               <a:rPr lang="en-US" altLang="zh-CN" dirty="0" smtClean="0"/>
-              <a:t>Private:</a:t>
+              <a:t>private : </a:t>
             </a:r>
             <a:r>
               <a:rPr lang="zh-CN" altLang="en-US" dirty="0" smtClean="0"/>
@@ -7274,11 +7274,11 @@
             </a:pPr>
             <a:r>
               <a:rPr lang="en-US" altLang="zh-CN" dirty="0" smtClean="0"/>
-              <a:t>protected</a:t>
+              <a:t>protected </a:t>
             </a:r>
             <a:r>
               <a:rPr lang="en-US" altLang="zh-CN" dirty="0" smtClean="0"/>
-              <a:t>:</a:t>
+              <a:t>: </a:t>
             </a:r>
             <a:r>
               <a:rPr lang="zh-CN" altLang="en-US" dirty="0"/>
@@ -7300,7 +7300,7 @@
             </a:r>
             <a:r>
               <a:rPr lang="en-US" altLang="zh-CN" dirty="0" smtClean="0"/>
-              <a:t>nternal :</a:t>
+              <a:t>nternal : </a:t>
             </a:r>
             <a:r>
               <a:rPr lang="zh-CN" altLang="en-US" dirty="0" smtClean="0"/>
@@ -7452,7 +7452,7 @@
                 <a:cs typeface="宋体" panose="02010600030101010101" pitchFamily="2" charset="-122"/>
                 <a:sym typeface="+mn-ea"/>
               </a:rPr>
-              <a:t>：主要是为了避免一个项目中，可能会存在的相同对象名的冲突。</a:t>
+              <a:t>：主要是为了避免一个项目中，可能会存在的相同</a:t>
             </a:r>
             <a:endParaRPr lang="zh-CN" altLang="en-US" sz="2300" dirty="0">
               <a:latin typeface="宋体" panose="02010600030101010101" pitchFamily="2" charset="-122"/>
@@ -7478,7 +7478,25 @@
                 <a:cs typeface="宋体" panose="02010600030101010101" pitchFamily="2" charset="-122"/>
                 <a:sym typeface="+mn-ea"/>
               </a:rPr>
-              <a:t>：就是我们开发的一个软件。</a:t>
+              <a:t>：就是我们</a:t>
+            </a:r>
+            <a:r>
+              <a:rPr lang="zh-CN" altLang="en-US" sz="2300" dirty="0">
+                <a:latin typeface="宋体" panose="02010600030101010101" pitchFamily="2" charset="-122"/>
+                <a:ea typeface="宋体" panose="02010600030101010101" pitchFamily="2" charset="-122"/>
+                <a:cs typeface="宋体" panose="02010600030101010101" pitchFamily="2" charset="-122"/>
+                <a:sym typeface="+mn-ea"/>
+              </a:rPr>
+              <a:t>对象名的冲突。</a:t>
+            </a:r>
+            <a:r>
+              <a:rPr lang="zh-CN" altLang="en-US" sz="2300" dirty="0">
+                <a:latin typeface="宋体" panose="02010600030101010101" pitchFamily="2" charset="-122"/>
+                <a:ea typeface="宋体" panose="02010600030101010101" pitchFamily="2" charset="-122"/>
+                <a:cs typeface="宋体" panose="02010600030101010101" pitchFamily="2" charset="-122"/>
+                <a:sym typeface="+mn-ea"/>
+              </a:rPr>
+              <a:t>开发的一个软件。</a:t>
             </a:r>
             <a:r>
               <a:rPr lang="en-US" altLang="zh-CN" sz="2300" dirty="0">
@@ -8721,11 +8739,7 @@
             </a:r>
             <a:r>
               <a:rPr lang="en-US" altLang="zh-CN"/>
-              <a:t>Sum</a:t>
-            </a:r>
-            <a:r>
-              <a:rPr lang="en-US" altLang="zh-CN"/>
-              <a:t>Value(</a:t>
+              <a:t>SumValue(</a:t>
             </a:r>
             <a:r>
               <a:rPr lang="en-US" altLang="zh-CN">
@@ -8733,7 +8747,23 @@
                   <a:srgbClr val="FF0000"/>
                 </a:solidFill>
               </a:rPr>
-              <a:t>int a, int b</a:t>
+              <a:t>int a </a:t>
+            </a:r>
+            <a:r>
+              <a:rPr lang="en-US" altLang="zh-CN" b="1">
+                <a:solidFill>
+                  <a:schemeClr val="tx1"/>
+                </a:solidFill>
+              </a:rPr>
+              <a:t>,</a:t>
+            </a:r>
+            <a:r>
+              <a:rPr lang="en-US" altLang="zh-CN">
+                <a:solidFill>
+                  <a:srgbClr val="FF0000"/>
+                </a:solidFill>
+              </a:rPr>
+              <a:t>  int b</a:t>
             </a:r>
             <a:r>
               <a:rPr lang="en-US" altLang="zh-CN"/>
@@ -8907,7 +8937,7 @@
                 <a:latin typeface="Consolas" panose="020B0609020204030204" charset="0"/>
                 <a:cs typeface="Consolas" panose="020B0609020204030204" charset="0"/>
               </a:rPr>
-              <a:t>GetValue(int a = 1)</a:t>
+              <a:t>GetValue(int a = )</a:t>
             </a:r>
             <a:endParaRPr lang="en-US" altLang="zh-CN">
               <a:latin typeface="Consolas" panose="020B0609020204030204" charset="0"/>
@@ -8924,6 +8954,14 @@
                 <a:cs typeface="Consolas" panose="020B0609020204030204" charset="0"/>
               </a:rPr>
               <a:t>{</a:t>
+            </a:r>
+            <a:r>
+              <a:rPr lang="en-US" altLang="zh-CN">
+                <a:latin typeface="Consolas" panose="020B0609020204030204" charset="0"/>
+                <a:cs typeface="Consolas" panose="020B0609020204030204" charset="0"/>
+                <a:sym typeface="+mn-ea"/>
+              </a:rPr>
+              <a:t>1</a:t>
             </a:r>
             <a:endParaRPr lang="en-US" altLang="zh-CN">
               <a:latin typeface="Consolas" panose="020B0609020204030204" charset="0"/>

--- a/教学课件/4.第四课  方法.pptx
+++ b/教学课件/4.第四课  方法.pptx
@@ -7452,7 +7452,16 @@
                 <a:cs typeface="宋体" panose="02010600030101010101" pitchFamily="2" charset="-122"/>
                 <a:sym typeface="+mn-ea"/>
               </a:rPr>
-              <a:t>：主要是为了避免一个项目中，可能会存在的相同</a:t>
+              <a:t>：主要是为了避免一个项目中，可能会存在的相同类名</a:t>
+            </a:r>
+            <a:r>
+              <a:rPr lang="en-US" altLang="zh-CN" sz="2300" dirty="0">
+                <a:latin typeface="宋体" panose="02010600030101010101" pitchFamily="2" charset="-122"/>
+                <a:ea typeface="宋体" panose="02010600030101010101" pitchFamily="2" charset="-122"/>
+                <a:cs typeface="宋体" panose="02010600030101010101" pitchFamily="2" charset="-122"/>
+                <a:sym typeface="+mn-ea"/>
+              </a:rPr>
+              <a:t>.</a:t>
             </a:r>
             <a:endParaRPr lang="zh-CN" altLang="en-US" sz="2300" dirty="0">
               <a:latin typeface="宋体" panose="02010600030101010101" pitchFamily="2" charset="-122"/>
